--- a/Lectures/Lecture 15.pptx
+++ b/Lectures/Lecture 15.pptx
@@ -243,7 +243,7 @@
           <a:p>
             <a:fld id="{1CB48AD5-CDAE-4B7B-B49D-6DB81FF5A179}" type="datetimeFigureOut">
               <a:rPr lang="en-US" smtClean="0"/>
-              <a:t>11/25/2020</a:t>
+              <a:t>11/26/2020</a:t>
             </a:fld>
             <a:endParaRPr lang="en-US" dirty="0"/>
           </a:p>
@@ -657,7 +657,7 @@
           <a:p>
             <a:fld id="{C4959B56-7D6D-462F-B061-93C9E323EE8A}" type="datetimeFigureOut">
               <a:rPr lang="en-US" smtClean="0"/>
-              <a:t>11/25/2020</a:t>
+              <a:t>11/26/2020</a:t>
             </a:fld>
             <a:endParaRPr lang="en-US" dirty="0"/>
           </a:p>
@@ -855,7 +855,7 @@
           <a:p>
             <a:fld id="{C4959B56-7D6D-462F-B061-93C9E323EE8A}" type="datetimeFigureOut">
               <a:rPr lang="en-US" smtClean="0"/>
-              <a:t>11/25/2020</a:t>
+              <a:t>11/26/2020</a:t>
             </a:fld>
             <a:endParaRPr lang="en-US" dirty="0"/>
           </a:p>
@@ -1063,7 +1063,7 @@
           <a:p>
             <a:fld id="{C4959B56-7D6D-462F-B061-93C9E323EE8A}" type="datetimeFigureOut">
               <a:rPr lang="en-US" smtClean="0"/>
-              <a:t>11/25/2020</a:t>
+              <a:t>11/26/2020</a:t>
             </a:fld>
             <a:endParaRPr lang="en-US" dirty="0"/>
           </a:p>
@@ -1261,7 +1261,7 @@
           <a:p>
             <a:fld id="{C4959B56-7D6D-462F-B061-93C9E323EE8A}" type="datetimeFigureOut">
               <a:rPr lang="en-US" smtClean="0"/>
-              <a:t>11/25/2020</a:t>
+              <a:t>11/26/2020</a:t>
             </a:fld>
             <a:endParaRPr lang="en-US" dirty="0"/>
           </a:p>
@@ -1536,7 +1536,7 @@
           <a:p>
             <a:fld id="{C4959B56-7D6D-462F-B061-93C9E323EE8A}" type="datetimeFigureOut">
               <a:rPr lang="en-US" smtClean="0"/>
-              <a:t>11/25/2020</a:t>
+              <a:t>11/26/2020</a:t>
             </a:fld>
             <a:endParaRPr lang="en-US" dirty="0"/>
           </a:p>
@@ -1801,7 +1801,7 @@
           <a:p>
             <a:fld id="{C4959B56-7D6D-462F-B061-93C9E323EE8A}" type="datetimeFigureOut">
               <a:rPr lang="en-US" smtClean="0"/>
-              <a:t>11/25/2020</a:t>
+              <a:t>11/26/2020</a:t>
             </a:fld>
             <a:endParaRPr lang="en-US" dirty="0"/>
           </a:p>
@@ -2213,7 +2213,7 @@
           <a:p>
             <a:fld id="{C4959B56-7D6D-462F-B061-93C9E323EE8A}" type="datetimeFigureOut">
               <a:rPr lang="en-US" smtClean="0"/>
-              <a:t>11/25/2020</a:t>
+              <a:t>11/26/2020</a:t>
             </a:fld>
             <a:endParaRPr lang="en-US" dirty="0"/>
           </a:p>
@@ -2354,7 +2354,7 @@
           <a:p>
             <a:fld id="{C4959B56-7D6D-462F-B061-93C9E323EE8A}" type="datetimeFigureOut">
               <a:rPr lang="en-US" smtClean="0"/>
-              <a:t>11/25/2020</a:t>
+              <a:t>11/26/2020</a:t>
             </a:fld>
             <a:endParaRPr lang="en-US" dirty="0"/>
           </a:p>
@@ -2467,7 +2467,7 @@
           <a:p>
             <a:fld id="{C4959B56-7D6D-462F-B061-93C9E323EE8A}" type="datetimeFigureOut">
               <a:rPr lang="en-US" smtClean="0"/>
-              <a:t>11/25/2020</a:t>
+              <a:t>11/26/2020</a:t>
             </a:fld>
             <a:endParaRPr lang="en-US" dirty="0"/>
           </a:p>
@@ -2778,7 +2778,7 @@
           <a:p>
             <a:fld id="{C4959B56-7D6D-462F-B061-93C9E323EE8A}" type="datetimeFigureOut">
               <a:rPr lang="en-US" smtClean="0"/>
-              <a:t>11/25/2020</a:t>
+              <a:t>11/26/2020</a:t>
             </a:fld>
             <a:endParaRPr lang="en-US" dirty="0"/>
           </a:p>
@@ -3066,7 +3066,7 @@
           <a:p>
             <a:fld id="{C4959B56-7D6D-462F-B061-93C9E323EE8A}" type="datetimeFigureOut">
               <a:rPr lang="en-US" smtClean="0"/>
-              <a:t>11/25/2020</a:t>
+              <a:t>11/26/2020</a:t>
             </a:fld>
             <a:endParaRPr lang="en-US" dirty="0"/>
           </a:p>
@@ -3307,7 +3307,7 @@
           <a:p>
             <a:fld id="{C4959B56-7D6D-462F-B061-93C9E323EE8A}" type="datetimeFigureOut">
               <a:rPr lang="en-US" smtClean="0"/>
-              <a:t>11/25/2020</a:t>
+              <a:t>11/26/2020</a:t>
             </a:fld>
             <a:endParaRPr lang="en-US" dirty="0"/>
           </a:p>
@@ -8536,17 +8536,7 @@
                         </a:solidFill>
                         <a:latin typeface="Cambria Math" panose="02040503050406030204" pitchFamily="18" charset="0"/>
                       </a:rPr>
-                      <m:t> ∈{0,1,2,</m:t>
-                    </m:r>
-                    <m:r>
-                      <a:rPr lang="en-US" b="0" i="1" smtClean="0">
-                        <a:solidFill>
-                          <a:schemeClr val="tx1"/>
-                        </a:solidFill>
-                        <a:latin typeface="Cambria Math" panose="02040503050406030204" pitchFamily="18" charset="0"/>
-                        <a:ea typeface="Cambria Math" panose="02040503050406030204" pitchFamily="18" charset="0"/>
-                      </a:rPr>
-                      <m:t>…,</m:t>
+                      <m:t> ∈{0,1,2,…,</m:t>
                     </m:r>
                     <m:r>
                       <a:rPr lang="en-US" b="0" i="1" smtClean="0">
@@ -22869,8 +22859,8 @@
           </a:p>
         </p:txBody>
       </p:sp>
-      <mc:AlternateContent xmlns:mc="http://schemas.openxmlformats.org/markup-compatibility/2006">
-        <mc:Choice xmlns:a14="http://schemas.microsoft.com/office/drawing/2010/main" Requires="a14">
+      <mc:AlternateContent xmlns:mc="http://schemas.openxmlformats.org/markup-compatibility/2006" xmlns:a14="http://schemas.microsoft.com/office/drawing/2010/main">
+        <mc:Choice Requires="a14">
           <p:sp>
             <p:nvSpPr>
               <p:cNvPr id="3" name="Content Placeholder 2">
@@ -23411,7 +23401,7 @@
             </p:txBody>
           </p:sp>
         </mc:Choice>
-        <mc:Fallback>
+        <mc:Fallback xmlns="">
           <p:sp>
             <p:nvSpPr>
               <p:cNvPr id="3" name="Content Placeholder 2">
@@ -23544,8 +23534,8 @@
           </a:p>
         </p:txBody>
       </p:sp>
-      <mc:AlternateContent xmlns:mc="http://schemas.openxmlformats.org/markup-compatibility/2006">
-        <mc:Choice xmlns:a14="http://schemas.microsoft.com/office/drawing/2010/main" Requires="a14">
+      <mc:AlternateContent xmlns:mc="http://schemas.openxmlformats.org/markup-compatibility/2006" xmlns:a14="http://schemas.microsoft.com/office/drawing/2010/main">
+        <mc:Choice Requires="a14">
           <p:sp>
             <p:nvSpPr>
               <p:cNvPr id="3" name="Content Placeholder 2">
@@ -24128,7 +24118,7 @@
             </p:txBody>
           </p:sp>
         </mc:Choice>
-        <mc:Fallback>
+        <mc:Fallback xmlns="">
           <p:sp>
             <p:nvSpPr>
               <p:cNvPr id="3" name="Content Placeholder 2">
@@ -24506,8 +24496,8 @@
           </a:p>
         </p:txBody>
       </p:sp>
-      <mc:AlternateContent xmlns:mc="http://schemas.openxmlformats.org/markup-compatibility/2006">
-        <mc:Choice xmlns:a14="http://schemas.microsoft.com/office/drawing/2010/main" Requires="a14">
+      <mc:AlternateContent xmlns:mc="http://schemas.openxmlformats.org/markup-compatibility/2006" xmlns:a14="http://schemas.microsoft.com/office/drawing/2010/main">
+        <mc:Choice Requires="a14">
           <p:sp>
             <p:nvSpPr>
               <p:cNvPr id="6" name="Content Placeholder 5">
@@ -25273,7 +25263,7 @@
                           <m:begChr m:val="{"/>
                           <m:endChr m:val="}"/>
                           <m:ctrlPr>
-                            <a:rPr lang="en-US" b="0" i="0" smtClean="0">
+                            <a:rPr lang="en-US" b="0" i="1" smtClean="0">
                               <a:solidFill>
                                 <a:schemeClr val="tx1"/>
                               </a:solidFill>
@@ -25799,7 +25789,7 @@
             </p:txBody>
           </p:sp>
         </mc:Choice>
-        <mc:Fallback>
+        <mc:Fallback xmlns="">
           <p:sp>
             <p:nvSpPr>
               <p:cNvPr id="6" name="Content Placeholder 5">
@@ -25902,8 +25892,8 @@
           </a:p>
         </p:txBody>
       </p:sp>
-      <mc:AlternateContent xmlns:mc="http://schemas.openxmlformats.org/markup-compatibility/2006">
-        <mc:Choice xmlns:a14="http://schemas.microsoft.com/office/drawing/2010/main" Requires="a14">
+      <mc:AlternateContent xmlns:mc="http://schemas.openxmlformats.org/markup-compatibility/2006" xmlns:a14="http://schemas.microsoft.com/office/drawing/2010/main">
+        <mc:Choice Requires="a14">
           <p:sp>
             <p:nvSpPr>
               <p:cNvPr id="3" name="Content Placeholder 2">
@@ -25968,13 +25958,7 @@
                               <a:rPr lang="en-US" i="1">
                                 <a:latin typeface="Cambria Math" panose="02040503050406030204" pitchFamily="18" charset="0"/>
                               </a:rPr>
-                              <m:t>𝑒</m:t>
-                            </m:r>
-                            <m:r>
-                              <a:rPr lang="en-US" i="1">
-                                <a:latin typeface="Cambria Math" panose="02040503050406030204" pitchFamily="18" charset="0"/>
-                              </a:rPr>
-                              <m:t>𝑛</m:t>
+                              <m:t>𝑒𝑛</m:t>
                             </m:r>
                           </m:den>
                         </m:f>
@@ -27147,7 +27131,7 @@
             </p:txBody>
           </p:sp>
         </mc:Choice>
-        <mc:Fallback>
+        <mc:Fallback xmlns="">
           <p:sp>
             <p:nvSpPr>
               <p:cNvPr id="3" name="Content Placeholder 2">
@@ -27250,8 +27234,8 @@
           </a:p>
         </p:txBody>
       </p:sp>
-      <mc:AlternateContent xmlns:mc="http://schemas.openxmlformats.org/markup-compatibility/2006">
-        <mc:Choice xmlns:a14="http://schemas.microsoft.com/office/drawing/2010/main" Requires="a14">
+      <mc:AlternateContent xmlns:mc="http://schemas.openxmlformats.org/markup-compatibility/2006" xmlns:a14="http://schemas.microsoft.com/office/drawing/2010/main">
+        <mc:Choice Requires="a14">
           <p:sp>
             <p:nvSpPr>
               <p:cNvPr id="3" name="Content Placeholder 2">
@@ -27834,7 +27818,7 @@
                               <m:func>
                                 <m:funcPr>
                                   <m:ctrlPr>
-                                    <a:rPr lang="en-US" b="0" i="0" smtClean="0">
+                                    <a:rPr lang="en-US" b="0" i="1" smtClean="0">
                                       <a:latin typeface="Cambria Math" panose="02040503050406030204" pitchFamily="18" charset="0"/>
                                     </a:rPr>
                                   </m:ctrlPr>
@@ -27961,7 +27945,13 @@
                           <a:rPr lang="en-US" b="0" i="1" smtClean="0">
                             <a:latin typeface="Cambria Math" panose="02040503050406030204" pitchFamily="18" charset="0"/>
                           </a:rPr>
-                          <m:t>= </m:t>
+                          <m:t>=</m:t>
+                        </m:r>
+                        <m:r>
+                          <a:rPr lang="en-US" b="0" i="1" smtClean="0">
+                            <a:latin typeface="Cambria Math" panose="02040503050406030204" pitchFamily="18" charset="0"/>
+                          </a:rPr>
+                          <m:t> </m:t>
                         </m:r>
                         <m:sSup>
                           <m:sSupPr>
@@ -28259,7 +28249,7 @@
             </p:txBody>
           </p:sp>
         </mc:Choice>
-        <mc:Fallback>
+        <mc:Fallback xmlns="">
           <p:sp>
             <p:nvSpPr>
               <p:cNvPr id="3" name="Content Placeholder 2">
@@ -28362,8 +28352,8 @@
           </a:p>
         </p:txBody>
       </p:sp>
-      <mc:AlternateContent xmlns:mc="http://schemas.openxmlformats.org/markup-compatibility/2006">
-        <mc:Choice xmlns:a14="http://schemas.microsoft.com/office/drawing/2010/main" Requires="a14">
+      <mc:AlternateContent xmlns:mc="http://schemas.openxmlformats.org/markup-compatibility/2006" xmlns:a14="http://schemas.microsoft.com/office/drawing/2010/main">
+        <mc:Choice Requires="a14">
           <p:sp>
             <p:nvSpPr>
               <p:cNvPr id="3" name="Content Placeholder 2">
@@ -28691,7 +28681,7 @@
             </p:txBody>
           </p:sp>
         </mc:Choice>
-        <mc:Fallback>
+        <mc:Fallback xmlns="">
           <p:sp>
             <p:nvSpPr>
               <p:cNvPr id="3" name="Content Placeholder 2">
@@ -28794,8 +28784,8 @@
           </a:p>
         </p:txBody>
       </p:sp>
-      <mc:AlternateContent xmlns:mc="http://schemas.openxmlformats.org/markup-compatibility/2006">
-        <mc:Choice xmlns:a14="http://schemas.microsoft.com/office/drawing/2010/main" Requires="a14">
+      <mc:AlternateContent xmlns:mc="http://schemas.openxmlformats.org/markup-compatibility/2006" xmlns:a14="http://schemas.microsoft.com/office/drawing/2010/main">
+        <mc:Choice Requires="a14">
           <p:sp>
             <p:nvSpPr>
               <p:cNvPr id="3" name="Content Placeholder 2">
@@ -29860,7 +29850,7 @@
             </p:txBody>
           </p:sp>
         </mc:Choice>
-        <mc:Fallback>
+        <mc:Fallback xmlns="">
           <p:sp>
             <p:nvSpPr>
               <p:cNvPr id="3" name="Content Placeholder 2">
@@ -30232,7 +30222,7 @@
                       <a:schemeClr val="accent1"/>
                     </a:solidFill>
                   </a:rPr>
-                  <a:t> is a very small quantity, then an upper bound on</a:t>
+                  <a:t> is a very small quantity, then we have an upper bound on</a:t>
                 </a:r>
                 <a14:m>
                   <m:oMath xmlns:m="http://schemas.openxmlformats.org/officeDocument/2006/math">
@@ -30301,7 +30291,7 @@
                       <a:schemeClr val="accent1"/>
                     </a:solidFill>
                   </a:rPr>
-                  <a:t> that is larger than </a:t>
+                  <a:t>  larger than </a:t>
                 </a:r>
                 <a14:m>
                   <m:oMath xmlns:m="http://schemas.openxmlformats.org/officeDocument/2006/math">
@@ -30356,7 +30346,23 @@
                       <a:schemeClr val="accent1"/>
                     </a:solidFill>
                   </a:rPr>
-                  <a:t> and hence an upper bound on</a:t>
+                  <a:t> and hence </a:t>
+                </a:r>
+                <a:r>
+                  <a:rPr lang="en-US">
+                    <a:solidFill>
+                      <a:schemeClr val="accent1"/>
+                    </a:solidFill>
+                  </a:rPr>
+                  <a:t>we have </a:t>
+                </a:r>
+                <a:r>
+                  <a:rPr lang="en-US" dirty="0">
+                    <a:solidFill>
+                      <a:schemeClr val="accent1"/>
+                    </a:solidFill>
+                  </a:rPr>
+                  <a:t>an upper bound on</a:t>
                 </a:r>
                 <a:r>
                   <a:rPr lang="en-US" dirty="0"/>
@@ -30418,7 +30424,7 @@
                       <a:schemeClr val="accent1"/>
                     </a:solidFill>
                   </a:rPr>
-                  <a:t> that is larger than </a:t>
+                  <a:t>  larger than </a:t>
                 </a:r>
                 <a14:m>
                   <m:oMath xmlns:m="http://schemas.openxmlformats.org/officeDocument/2006/math">
@@ -30592,7 +30598,7 @@
               <a:blipFill>
                 <a:blip r:embed="rId2"/>
                 <a:stretch>
-                  <a:fillRect l="-1217" t="-2801"/>
+                  <a:fillRect l="-1217" t="-2801" r="-580"/>
                 </a:stretch>
               </a:blipFill>
             </p:spPr>
